--- a/PPT FWD TNSDC 2025 (1).pptx
+++ b/PPT FWD TNSDC 2025 (1).pptx
@@ -2629,7 +2629,7 @@
         <p:spPr>
           <a:xfrm>
             <a:off x="2554542" y="3314150"/>
-            <a:ext cx="8610600" cy="1938020"/>
+            <a:ext cx="8610600" cy="2306955"/>
           </a:xfrm>
           <a:prstGeom prst="rect">
             <a:avLst/>
@@ -2647,7 +2647,7 @@
                 <a:latin typeface="Times New Roman" panose="02020603050405020304" pitchFamily="18" charset="0"/>
                 <a:cs typeface="Times New Roman" panose="02020603050405020304" pitchFamily="18" charset="0"/>
               </a:rPr>
-              <a:t>STUDENT NAME: APARNA S</a:t>
+              <a:t>STUDENT NAME:  DHARHSINI T</a:t>
             </a:r>
             <a:endParaRPr lang="en-US" sz="2400" dirty="0">
               <a:latin typeface="Times New Roman" panose="02020603050405020304" pitchFamily="18" charset="0"/>
@@ -2660,7 +2660,7 @@
                 <a:latin typeface="Times New Roman" panose="02020603050405020304" pitchFamily="18" charset="0"/>
                 <a:cs typeface="Times New Roman" panose="02020603050405020304" pitchFamily="18" charset="0"/>
               </a:rPr>
-              <a:t>REGISTER NO :AND NMID: </a:t>
+              <a:t>REGISTER NO :  2428CO469</a:t>
             </a:r>
             <a:endParaRPr lang="en-US" sz="2400" dirty="0">
               <a:latin typeface="Times New Roman" panose="02020603050405020304" pitchFamily="18" charset="0"/>
@@ -2673,7 +2673,27 @@
                 <a:latin typeface="Times New Roman" panose="02020603050405020304" pitchFamily="18" charset="0"/>
                 <a:cs typeface="Times New Roman" panose="02020603050405020304" pitchFamily="18" charset="0"/>
               </a:rPr>
-              <a:t>DEPARTMENT: </a:t>
+              <a:t>NMID: </a:t>
+            </a:r>
+            <a:r>
+              <a:rPr lang="en-US" altLang="en-US" sz="2400" dirty="0">
+                <a:latin typeface="Times New Roman" panose="02020603050405020304" pitchFamily="18" charset="0"/>
+                <a:cs typeface="Times New Roman" panose="02020603050405020304" pitchFamily="18" charset="0"/>
+              </a:rPr>
+              <a:t>27280AA6F18645F999742B38ED971BD3</a:t>
+            </a:r>
+            <a:endParaRPr lang="en-US" altLang="en-US" sz="2400" dirty="0">
+              <a:latin typeface="Times New Roman" panose="02020603050405020304" pitchFamily="18" charset="0"/>
+              <a:cs typeface="Times New Roman" panose="02020603050405020304" pitchFamily="18" charset="0"/>
+            </a:endParaRPr>
+          </a:p>
+          <a:p>
+            <a:r>
+              <a:rPr lang="en-US" sz="2400" dirty="0">
+                <a:latin typeface="Times New Roman" panose="02020603050405020304" pitchFamily="18" charset="0"/>
+                <a:cs typeface="Times New Roman" panose="02020603050405020304" pitchFamily="18" charset="0"/>
+              </a:rPr>
+              <a:t>DEPARTMENT: B.Sc.Artifical Intellegence &amp; Machine Learning</a:t>
             </a:r>
             <a:endParaRPr lang="en-US" sz="2400" dirty="0">
               <a:latin typeface="Times New Roman" panose="02020603050405020304" pitchFamily="18" charset="0"/>
@@ -2686,7 +2706,7 @@
                 <a:latin typeface="Times New Roman" panose="02020603050405020304" pitchFamily="18" charset="0"/>
                 <a:cs typeface="Times New Roman" panose="02020603050405020304" pitchFamily="18" charset="0"/>
               </a:rPr>
-              <a:t>COLLEGE: COLLEGE/ UNIVERSITY</a:t>
+              <a:t>COLLEGE: KPR College of Arts Science &amp; Research</a:t>
             </a:r>
             <a:endParaRPr lang="en-US" sz="2400" dirty="0">
               <a:latin typeface="Times New Roman" panose="02020603050405020304" pitchFamily="18" charset="0"/>
